--- a/docs/1071_datascience_FP_<107753042|Taipei_House_Rental_2018>.pptx
+++ b/docs/1071_datascience_FP_<107753042|Taipei_House_Rental_2018>.pptx
@@ -5,7 +5,7 @@
     <p:sldMasterId id="2147483648" r:id="rId1"/>
   </p:sldMasterIdLst>
   <p:notesMasterIdLst>
-    <p:notesMasterId r:id="rId15"/>
+    <p:notesMasterId r:id="rId16"/>
   </p:notesMasterIdLst>
   <p:sldIdLst>
     <p:sldId id="259" r:id="rId2"/>
@@ -19,13 +19,14 @@
     <p:sldId id="274" r:id="rId10"/>
     <p:sldId id="275" r:id="rId11"/>
     <p:sldId id="276" r:id="rId12"/>
-    <p:sldId id="281" r:id="rId13"/>
-    <p:sldId id="283" r:id="rId14"/>
+    <p:sldId id="284" r:id="rId13"/>
+    <p:sldId id="281" r:id="rId14"/>
+    <p:sldId id="283" r:id="rId15"/>
   </p:sldIdLst>
   <p:sldSz cx="12192000" cy="6858000"/>
   <p:notesSz cx="6858000" cy="9144000"/>
   <p:custDataLst>
-    <p:tags r:id="rId16"/>
+    <p:tags r:id="rId17"/>
   </p:custDataLst>
   <p:defaultTextStyle>
     <a:defPPr>
@@ -212,7 +213,7 @@
           <a:p>
             <a:fld id="{8B75512E-F84E-4531-96CD-898E3758A1A9}" type="datetimeFigureOut">
               <a:rPr lang="zh-CN" altLang="en-US" smtClean="0"/>
-              <a:t>2019/1/14</a:t>
+              <a:t>2019/1/15</a:t>
             </a:fld>
             <a:endParaRPr lang="zh-CN" altLang="en-US"/>
           </a:p>
@@ -805,7 +806,7 @@
     </p:spTree>
     <p:extLst>
       <p:ext uri="{BB962C8B-B14F-4D97-AF65-F5344CB8AC3E}">
-        <p14:creationId xmlns:p14="http://schemas.microsoft.com/office/powerpoint/2010/main" val="500851978"/>
+        <p14:creationId xmlns:p14="http://schemas.microsoft.com/office/powerpoint/2010/main" val="2997493824"/>
       </p:ext>
     </p:extLst>
   </p:cSld>
@@ -881,6 +882,90 @@
             <a:fld id="{37C3A315-C00B-4338-9756-B113D3866B48}" type="slidenum">
               <a:rPr lang="zh-CN" altLang="en-US" smtClean="0"/>
               <a:t>13</a:t>
+            </a:fld>
+            <a:endParaRPr lang="zh-CN" altLang="en-US"/>
+          </a:p>
+        </p:txBody>
+      </p:sp>
+    </p:spTree>
+    <p:extLst>
+      <p:ext uri="{BB962C8B-B14F-4D97-AF65-F5344CB8AC3E}">
+        <p14:creationId xmlns:p14="http://schemas.microsoft.com/office/powerpoint/2010/main" val="500851978"/>
+      </p:ext>
+    </p:extLst>
+  </p:cSld>
+  <p:clrMapOvr>
+    <a:masterClrMapping/>
+  </p:clrMapOvr>
+</p:notes>
+</file>
+
+<file path=ppt/notesSlides/notesSlide14.xml><?xml version="1.0" encoding="utf-8"?>
+<p:notes xmlns:a="http://schemas.openxmlformats.org/drawingml/2006/main" xmlns:r="http://schemas.openxmlformats.org/officeDocument/2006/relationships" xmlns:p="http://schemas.openxmlformats.org/presentationml/2006/main">
+  <p:cSld>
+    <p:spTree>
+      <p:nvGrpSpPr>
+        <p:cNvPr id="1" name=""/>
+        <p:cNvGrpSpPr/>
+        <p:nvPr/>
+      </p:nvGrpSpPr>
+      <p:grpSpPr>
+        <a:xfrm>
+          <a:off x="0" y="0"/>
+          <a:ext cx="0" cy="0"/>
+          <a:chOff x="0" y="0"/>
+          <a:chExt cx="0" cy="0"/>
+        </a:xfrm>
+      </p:grpSpPr>
+      <p:sp>
+        <p:nvSpPr>
+          <p:cNvPr id="2" name="幻灯片图像占位符 1"/>
+          <p:cNvSpPr>
+            <a:spLocks noGrp="1" noRot="1" noChangeAspect="1"/>
+          </p:cNvSpPr>
+          <p:nvPr>
+            <p:ph type="sldImg"/>
+          </p:nvPr>
+        </p:nvSpPr>
+        <p:spPr/>
+      </p:sp>
+      <p:sp>
+        <p:nvSpPr>
+          <p:cNvPr id="3" name="备注占位符 2"/>
+          <p:cNvSpPr>
+            <a:spLocks noGrp="1"/>
+          </p:cNvSpPr>
+          <p:nvPr>
+            <p:ph type="body" idx="1"/>
+          </p:nvPr>
+        </p:nvSpPr>
+        <p:spPr/>
+        <p:txBody>
+          <a:bodyPr/>
+          <a:lstStyle/>
+          <a:p>
+            <a:endParaRPr lang="zh-CN" altLang="en-US"/>
+          </a:p>
+        </p:txBody>
+      </p:sp>
+      <p:sp>
+        <p:nvSpPr>
+          <p:cNvPr id="4" name="灯片编号占位符 3"/>
+          <p:cNvSpPr>
+            <a:spLocks noGrp="1"/>
+          </p:cNvSpPr>
+          <p:nvPr>
+            <p:ph type="sldNum" sz="quarter" idx="10"/>
+          </p:nvPr>
+        </p:nvSpPr>
+        <p:spPr/>
+        <p:txBody>
+          <a:bodyPr/>
+          <a:lstStyle/>
+          <a:p>
+            <a:fld id="{37C3A315-C00B-4338-9756-B113D3866B48}" type="slidenum">
+              <a:rPr lang="zh-CN" altLang="en-US" smtClean="0"/>
+              <a:t>14</a:t>
             </a:fld>
             <a:endParaRPr lang="zh-CN" altLang="en-US"/>
           </a:p>
@@ -2038,7 +2123,7 @@
                 <a:latin typeface="Baskerville Old Face" panose="02020602080505020303" pitchFamily="18" charset="0"/>
                 <a:ea typeface="华文新魏" panose="02010800040101010101" pitchFamily="2" charset="-122"/>
               </a:rPr>
-              <a:t>Final Project Presentation</a:t>
+              <a:t>Taipei House Rental 2018</a:t>
             </a:r>
             <a:endParaRPr lang="zh-CN" altLang="en-US" sz="2800" b="1" dirty="0">
               <a:solidFill>
@@ -2241,7 +2326,7 @@
         <p:spPr>
           <a:xfrm>
             <a:off x="7419019" y="5083944"/>
-            <a:ext cx="6169712" cy="523220"/>
+            <a:ext cx="6169712" cy="584775"/>
           </a:xfrm>
           <a:prstGeom prst="rect">
             <a:avLst/>
@@ -2255,7 +2340,7 @@
           <a:lstStyle/>
           <a:p>
             <a:r>
-              <a:rPr lang="en-US" altLang="zh-CN" sz="1400" dirty="0">
+              <a:rPr lang="en-US" altLang="zh-CN" sz="1600" dirty="0">
                 <a:solidFill>
                   <a:srgbClr val="654D2D"/>
                 </a:solidFill>
@@ -2263,14 +2348,14 @@
               <a:t>106753038 </a:t>
             </a:r>
             <a:r>
-              <a:rPr lang="zh-CN" altLang="en-US" sz="1400" dirty="0">
+              <a:rPr lang="zh-CN" altLang="en-US" sz="1600" dirty="0">
                 <a:solidFill>
                   <a:srgbClr val="654D2D"/>
                 </a:solidFill>
               </a:rPr>
               <a:t>張筆翔</a:t>
             </a:r>
-            <a:endParaRPr lang="en-US" altLang="zh-CN" sz="1400" dirty="0">
+            <a:endParaRPr lang="en-US" altLang="zh-CN" sz="1600" dirty="0">
               <a:solidFill>
                 <a:srgbClr val="654D2D"/>
               </a:solidFill>
@@ -2278,7 +2363,7 @@
           </a:p>
           <a:p>
             <a:r>
-              <a:rPr lang="en-US" altLang="zh-CN" sz="1400" dirty="0">
+              <a:rPr lang="en-US" altLang="zh-CN" sz="1600" dirty="0">
                 <a:solidFill>
                   <a:srgbClr val="654D2D"/>
                 </a:solidFill>
@@ -2286,14 +2371,14 @@
               <a:t>107753042 </a:t>
             </a:r>
             <a:r>
-              <a:rPr lang="zh-CN" altLang="en-US" sz="1400" dirty="0">
+              <a:rPr lang="zh-CN" altLang="en-US" sz="1600" dirty="0">
                 <a:solidFill>
                   <a:srgbClr val="654D2D"/>
                 </a:solidFill>
               </a:rPr>
               <a:t>朱奕寧</a:t>
             </a:r>
-            <a:endParaRPr lang="en-US" altLang="zh-CN" sz="1400" dirty="0">
+            <a:endParaRPr lang="en-US" altLang="zh-CN" sz="1600" dirty="0">
               <a:solidFill>
                 <a:srgbClr val="654D2D"/>
               </a:solidFill>
@@ -5271,6 +5356,614 @@
     </p:spTree>
     <p:extLst>
       <p:ext uri="{BB962C8B-B14F-4D97-AF65-F5344CB8AC3E}">
+        <p14:creationId xmlns:p14="http://schemas.microsoft.com/office/powerpoint/2010/main" val="4101900103"/>
+      </p:ext>
+    </p:extLst>
+  </p:cSld>
+  <p:clrMapOvr>
+    <a:masterClrMapping/>
+  </p:clrMapOvr>
+  <mc:AlternateContent xmlns:mc="http://schemas.openxmlformats.org/markup-compatibility/2006" xmlns:p14="http://schemas.microsoft.com/office/powerpoint/2010/main">
+    <mc:Choice Requires="p14">
+      <p:transition spd="slow">
+        <p14:flythrough/>
+      </p:transition>
+    </mc:Choice>
+    <mc:Fallback xmlns="">
+      <p:transition spd="slow">
+        <p:fade/>
+      </p:transition>
+    </mc:Fallback>
+  </mc:AlternateContent>
+  <p:timing>
+    <p:tnLst>
+      <p:par>
+        <p:cTn id="1" dur="indefinite" restart="never" nodeType="tmRoot">
+          <p:childTnLst>
+            <p:seq concurrent="1" nextAc="seek">
+              <p:cTn id="2" dur="indefinite" nodeType="mainSeq">
+                <p:childTnLst>
+                  <p:par>
+                    <p:cTn id="3" fill="hold">
+                      <p:stCondLst>
+                        <p:cond delay="indefinite"/>
+                        <p:cond evt="onBegin" delay="0">
+                          <p:tn val="2"/>
+                        </p:cond>
+                      </p:stCondLst>
+                      <p:childTnLst>
+                        <p:par>
+                          <p:cTn id="4" fill="hold">
+                            <p:stCondLst>
+                              <p:cond delay="0"/>
+                            </p:stCondLst>
+                            <p:childTnLst>
+                              <p:par>
+                                <p:cTn id="5" presetID="16" presetClass="entr" presetSubtype="21" fill="hold" grpId="0" nodeType="withEffect">
+                                  <p:stCondLst>
+                                    <p:cond delay="750"/>
+                                  </p:stCondLst>
+                                  <p:childTnLst>
+                                    <p:set>
+                                      <p:cBhvr>
+                                        <p:cTn id="6" dur="1" fill="hold">
+                                          <p:stCondLst>
+                                            <p:cond delay="0"/>
+                                          </p:stCondLst>
+                                        </p:cTn>
+                                        <p:tgtEl>
+                                          <p:spTgt spid="5"/>
+                                        </p:tgtEl>
+                                        <p:attrNameLst>
+                                          <p:attrName>style.visibility</p:attrName>
+                                        </p:attrNameLst>
+                                      </p:cBhvr>
+                                      <p:to>
+                                        <p:strVal val="visible"/>
+                                      </p:to>
+                                    </p:set>
+                                    <p:animEffect transition="in" filter="barn(inVertical)">
+                                      <p:cBhvr>
+                                        <p:cTn id="7" dur="1000"/>
+                                        <p:tgtEl>
+                                          <p:spTgt spid="5"/>
+                                        </p:tgtEl>
+                                      </p:cBhvr>
+                                    </p:animEffect>
+                                  </p:childTnLst>
+                                </p:cTn>
+                              </p:par>
+                              <p:par>
+                                <p:cTn id="8" presetID="16" presetClass="entr" presetSubtype="21" fill="hold" grpId="0" nodeType="withEffect">
+                                  <p:stCondLst>
+                                    <p:cond delay="750"/>
+                                  </p:stCondLst>
+                                  <p:childTnLst>
+                                    <p:set>
+                                      <p:cBhvr>
+                                        <p:cTn id="9" dur="1" fill="hold">
+                                          <p:stCondLst>
+                                            <p:cond delay="0"/>
+                                          </p:stCondLst>
+                                        </p:cTn>
+                                        <p:tgtEl>
+                                          <p:spTgt spid="6"/>
+                                        </p:tgtEl>
+                                        <p:attrNameLst>
+                                          <p:attrName>style.visibility</p:attrName>
+                                        </p:attrNameLst>
+                                      </p:cBhvr>
+                                      <p:to>
+                                        <p:strVal val="visible"/>
+                                      </p:to>
+                                    </p:set>
+                                    <p:animEffect transition="in" filter="barn(inVertical)">
+                                      <p:cBhvr>
+                                        <p:cTn id="10" dur="1000"/>
+                                        <p:tgtEl>
+                                          <p:spTgt spid="6"/>
+                                        </p:tgtEl>
+                                      </p:cBhvr>
+                                    </p:animEffect>
+                                  </p:childTnLst>
+                                </p:cTn>
+                              </p:par>
+                              <p:par>
+                                <p:cTn id="11" presetID="22" presetClass="entr" presetSubtype="8" fill="hold" grpId="0" nodeType="withEffect">
+                                  <p:stCondLst>
+                                    <p:cond delay="1500"/>
+                                  </p:stCondLst>
+                                  <p:childTnLst>
+                                    <p:set>
+                                      <p:cBhvr>
+                                        <p:cTn id="12" dur="1" fill="hold">
+                                          <p:stCondLst>
+                                            <p:cond delay="0"/>
+                                          </p:stCondLst>
+                                        </p:cTn>
+                                        <p:tgtEl>
+                                          <p:spTgt spid="7"/>
+                                        </p:tgtEl>
+                                        <p:attrNameLst>
+                                          <p:attrName>style.visibility</p:attrName>
+                                        </p:attrNameLst>
+                                      </p:cBhvr>
+                                      <p:to>
+                                        <p:strVal val="visible"/>
+                                      </p:to>
+                                    </p:set>
+                                    <p:animEffect transition="in" filter="wipe(left)">
+                                      <p:cBhvr>
+                                        <p:cTn id="13" dur="1000"/>
+                                        <p:tgtEl>
+                                          <p:spTgt spid="7"/>
+                                        </p:tgtEl>
+                                      </p:cBhvr>
+                                    </p:animEffect>
+                                  </p:childTnLst>
+                                </p:cTn>
+                              </p:par>
+                              <p:par>
+                                <p:cTn id="14" presetID="22" presetClass="entr" presetSubtype="2" fill="hold" nodeType="withEffect">
+                                  <p:stCondLst>
+                                    <p:cond delay="1500"/>
+                                  </p:stCondLst>
+                                  <p:childTnLst>
+                                    <p:set>
+                                      <p:cBhvr>
+                                        <p:cTn id="15" dur="1" fill="hold">
+                                          <p:stCondLst>
+                                            <p:cond delay="0"/>
+                                          </p:stCondLst>
+                                        </p:cTn>
+                                        <p:tgtEl>
+                                          <p:spTgt spid="9"/>
+                                        </p:tgtEl>
+                                        <p:attrNameLst>
+                                          <p:attrName>style.visibility</p:attrName>
+                                        </p:attrNameLst>
+                                      </p:cBhvr>
+                                      <p:to>
+                                        <p:strVal val="visible"/>
+                                      </p:to>
+                                    </p:set>
+                                    <p:animEffect transition="in" filter="wipe(right)">
+                                      <p:cBhvr>
+                                        <p:cTn id="16" dur="1000"/>
+                                        <p:tgtEl>
+                                          <p:spTgt spid="9"/>
+                                        </p:tgtEl>
+                                      </p:cBhvr>
+                                    </p:animEffect>
+                                  </p:childTnLst>
+                                </p:cTn>
+                              </p:par>
+                              <p:par>
+                                <p:cTn id="17" presetID="53" presetClass="entr" presetSubtype="16" fill="hold" grpId="0" nodeType="withEffect">
+                                  <p:stCondLst>
+                                    <p:cond delay="2250"/>
+                                  </p:stCondLst>
+                                  <p:childTnLst>
+                                    <p:set>
+                                      <p:cBhvr>
+                                        <p:cTn id="18" dur="1" fill="hold">
+                                          <p:stCondLst>
+                                            <p:cond delay="0"/>
+                                          </p:stCondLst>
+                                        </p:cTn>
+                                        <p:tgtEl>
+                                          <p:spTgt spid="8"/>
+                                        </p:tgtEl>
+                                        <p:attrNameLst>
+                                          <p:attrName>style.visibility</p:attrName>
+                                        </p:attrNameLst>
+                                      </p:cBhvr>
+                                      <p:to>
+                                        <p:strVal val="visible"/>
+                                      </p:to>
+                                    </p:set>
+                                    <p:anim calcmode="lin" valueType="num">
+                                      <p:cBhvr>
+                                        <p:cTn id="19" dur="1000" fill="hold"/>
+                                        <p:tgtEl>
+                                          <p:spTgt spid="8"/>
+                                        </p:tgtEl>
+                                        <p:attrNameLst>
+                                          <p:attrName>ppt_w</p:attrName>
+                                        </p:attrNameLst>
+                                      </p:cBhvr>
+                                      <p:tavLst>
+                                        <p:tav tm="0">
+                                          <p:val>
+                                            <p:fltVal val="0"/>
+                                          </p:val>
+                                        </p:tav>
+                                        <p:tav tm="100000">
+                                          <p:val>
+                                            <p:strVal val="#ppt_w"/>
+                                          </p:val>
+                                        </p:tav>
+                                      </p:tavLst>
+                                    </p:anim>
+                                    <p:anim calcmode="lin" valueType="num">
+                                      <p:cBhvr>
+                                        <p:cTn id="20" dur="1000" fill="hold"/>
+                                        <p:tgtEl>
+                                          <p:spTgt spid="8"/>
+                                        </p:tgtEl>
+                                        <p:attrNameLst>
+                                          <p:attrName>ppt_h</p:attrName>
+                                        </p:attrNameLst>
+                                      </p:cBhvr>
+                                      <p:tavLst>
+                                        <p:tav tm="0">
+                                          <p:val>
+                                            <p:fltVal val="0"/>
+                                          </p:val>
+                                        </p:tav>
+                                        <p:tav tm="100000">
+                                          <p:val>
+                                            <p:strVal val="#ppt_h"/>
+                                          </p:val>
+                                        </p:tav>
+                                      </p:tavLst>
+                                    </p:anim>
+                                    <p:animEffect transition="in" filter="fade">
+                                      <p:cBhvr>
+                                        <p:cTn id="21" dur="1000"/>
+                                        <p:tgtEl>
+                                          <p:spTgt spid="8"/>
+                                        </p:tgtEl>
+                                      </p:cBhvr>
+                                    </p:animEffect>
+                                  </p:childTnLst>
+                                </p:cTn>
+                              </p:par>
+                            </p:childTnLst>
+                          </p:cTn>
+                        </p:par>
+                      </p:childTnLst>
+                    </p:cTn>
+                  </p:par>
+                </p:childTnLst>
+              </p:cTn>
+              <p:prevCondLst>
+                <p:cond evt="onPrev" delay="0">
+                  <p:tgtEl>
+                    <p:sldTgt/>
+                  </p:tgtEl>
+                </p:cond>
+              </p:prevCondLst>
+              <p:nextCondLst>
+                <p:cond evt="onNext" delay="0">
+                  <p:tgtEl>
+                    <p:sldTgt/>
+                  </p:tgtEl>
+                </p:cond>
+              </p:nextCondLst>
+            </p:seq>
+          </p:childTnLst>
+        </p:cTn>
+      </p:par>
+    </p:tnLst>
+    <p:bldLst>
+      <p:bldP spid="5" grpId="0" animBg="1"/>
+      <p:bldP spid="6" grpId="0" animBg="1"/>
+      <p:bldP spid="7" grpId="0"/>
+      <p:bldP spid="8" grpId="0"/>
+    </p:bldLst>
+  </p:timing>
+</p:sld>
+</file>
+
+<file path=ppt/slides/slide13.xml><?xml version="1.0" encoding="utf-8"?>
+<p:sld xmlns:a="http://schemas.openxmlformats.org/drawingml/2006/main" xmlns:r="http://schemas.openxmlformats.org/officeDocument/2006/relationships" xmlns:p="http://schemas.openxmlformats.org/presentationml/2006/main">
+  <p:cSld>
+    <p:spTree>
+      <p:nvGrpSpPr>
+        <p:cNvPr id="1" name=""/>
+        <p:cNvGrpSpPr/>
+        <p:nvPr/>
+      </p:nvGrpSpPr>
+      <p:grpSpPr>
+        <a:xfrm>
+          <a:off x="0" y="0"/>
+          <a:ext cx="0" cy="0"/>
+          <a:chOff x="0" y="0"/>
+          <a:chExt cx="0" cy="0"/>
+        </a:xfrm>
+      </p:grpSpPr>
+      <p:sp>
+        <p:nvSpPr>
+          <p:cNvPr id="5" name="矩形 4"/>
+          <p:cNvSpPr/>
+          <p:nvPr/>
+        </p:nvSpPr>
+        <p:spPr>
+          <a:xfrm>
+            <a:off x="701414" y="404163"/>
+            <a:ext cx="192619" cy="741376"/>
+          </a:xfrm>
+          <a:prstGeom prst="rect">
+            <a:avLst/>
+          </a:prstGeom>
+          <a:solidFill>
+            <a:srgbClr val="68532A"/>
+          </a:solidFill>
+          <a:ln>
+            <a:noFill/>
+          </a:ln>
+        </p:spPr>
+        <p:style>
+          <a:lnRef idx="2">
+            <a:schemeClr val="accent1">
+              <a:shade val="50000"/>
+            </a:schemeClr>
+          </a:lnRef>
+          <a:fillRef idx="1">
+            <a:schemeClr val="accent1"/>
+          </a:fillRef>
+          <a:effectRef idx="0">
+            <a:schemeClr val="accent1"/>
+          </a:effectRef>
+          <a:fontRef idx="minor">
+            <a:schemeClr val="lt1"/>
+          </a:fontRef>
+        </p:style>
+        <p:txBody>
+          <a:bodyPr rtlCol="0" anchor="ctr"/>
+          <a:lstStyle/>
+          <a:p>
+            <a:pPr algn="ctr"/>
+            <a:endParaRPr lang="zh-CN" altLang="en-US"/>
+          </a:p>
+        </p:txBody>
+      </p:sp>
+      <p:sp>
+        <p:nvSpPr>
+          <p:cNvPr id="6" name="矩形 5"/>
+          <p:cNvSpPr/>
+          <p:nvPr/>
+        </p:nvSpPr>
+        <p:spPr>
+          <a:xfrm>
+            <a:off x="941563" y="404163"/>
+            <a:ext cx="73607" cy="741376"/>
+          </a:xfrm>
+          <a:prstGeom prst="rect">
+            <a:avLst/>
+          </a:prstGeom>
+          <a:solidFill>
+            <a:srgbClr val="68532A"/>
+          </a:solidFill>
+          <a:ln>
+            <a:noFill/>
+          </a:ln>
+        </p:spPr>
+        <p:style>
+          <a:lnRef idx="2">
+            <a:schemeClr val="accent1">
+              <a:shade val="50000"/>
+            </a:schemeClr>
+          </a:lnRef>
+          <a:fillRef idx="1">
+            <a:schemeClr val="accent1"/>
+          </a:fillRef>
+          <a:effectRef idx="0">
+            <a:schemeClr val="accent1"/>
+          </a:effectRef>
+          <a:fontRef idx="minor">
+            <a:schemeClr val="lt1"/>
+          </a:fontRef>
+        </p:style>
+        <p:txBody>
+          <a:bodyPr rtlCol="0" anchor="ctr"/>
+          <a:lstStyle/>
+          <a:p>
+            <a:pPr algn="ctr"/>
+            <a:endParaRPr lang="zh-CN" altLang="en-US"/>
+          </a:p>
+        </p:txBody>
+      </p:sp>
+      <p:sp>
+        <p:nvSpPr>
+          <p:cNvPr id="7" name="文本框 6"/>
+          <p:cNvSpPr txBox="1"/>
+          <p:nvPr/>
+        </p:nvSpPr>
+        <p:spPr>
+          <a:xfrm>
+            <a:off x="1166972" y="430561"/>
+            <a:ext cx="3469934" cy="707886"/>
+          </a:xfrm>
+          <a:prstGeom prst="rect">
+            <a:avLst/>
+          </a:prstGeom>
+          <a:noFill/>
+        </p:spPr>
+        <p:txBody>
+          <a:bodyPr wrap="square" rtlCol="0">
+            <a:spAutoFit/>
+          </a:bodyPr>
+          <a:lstStyle/>
+          <a:p>
+            <a:r>
+              <a:rPr lang="en-US" altLang="zh-CN" sz="4000" b="1" dirty="0">
+                <a:solidFill>
+                  <a:srgbClr val="654D2D"/>
+                </a:solidFill>
+                <a:effectLst>
+                  <a:outerShdw blurRad="38100" dist="38100" dir="2700000" algn="tl">
+                    <a:srgbClr val="000000">
+                      <a:alpha val="43137"/>
+                    </a:srgbClr>
+                  </a:outerShdw>
+                </a:effectLst>
+              </a:rPr>
+              <a:t>Challenge</a:t>
+            </a:r>
+          </a:p>
+        </p:txBody>
+      </p:sp>
+      <p:sp>
+        <p:nvSpPr>
+          <p:cNvPr id="8" name="文本框 7"/>
+          <p:cNvSpPr txBox="1"/>
+          <p:nvPr/>
+        </p:nvSpPr>
+        <p:spPr>
+          <a:xfrm>
+            <a:off x="3350021" y="784504"/>
+            <a:ext cx="4592961" cy="307777"/>
+          </a:xfrm>
+          <a:prstGeom prst="rect">
+            <a:avLst/>
+          </a:prstGeom>
+          <a:noFill/>
+        </p:spPr>
+        <p:txBody>
+          <a:bodyPr wrap="square" rtlCol="0">
+            <a:spAutoFit/>
+          </a:bodyPr>
+          <a:lstStyle/>
+          <a:p>
+            <a:r>
+              <a:rPr lang="en-US" altLang="zh-CN" sz="1400" dirty="0">
+                <a:solidFill>
+                  <a:srgbClr val="A89A68"/>
+                </a:solidFill>
+                <a:hlinkClick r:id="rId3"/>
+              </a:rPr>
+              <a:t>https://ryuuuuuu.shinyapps.io/Taipei_House_Rental_2018/</a:t>
+            </a:r>
+            <a:endParaRPr lang="en-US" altLang="zh-CN" sz="1400" dirty="0">
+              <a:solidFill>
+                <a:srgbClr val="A89A68"/>
+              </a:solidFill>
+            </a:endParaRPr>
+          </a:p>
+        </p:txBody>
+      </p:sp>
+      <p:cxnSp>
+        <p:nvCxnSpPr>
+          <p:cNvPr id="9" name="直接连接符 8"/>
+          <p:cNvCxnSpPr/>
+          <p:nvPr/>
+        </p:nvCxnSpPr>
+        <p:spPr>
+          <a:xfrm>
+            <a:off x="601428" y="1283126"/>
+            <a:ext cx="4370002" cy="0"/>
+          </a:xfrm>
+          <a:prstGeom prst="line">
+            <a:avLst/>
+          </a:prstGeom>
+          <a:ln/>
+        </p:spPr>
+        <p:style>
+          <a:lnRef idx="1">
+            <a:schemeClr val="dk1"/>
+          </a:lnRef>
+          <a:fillRef idx="0">
+            <a:schemeClr val="dk1"/>
+          </a:fillRef>
+          <a:effectRef idx="0">
+            <a:schemeClr val="dk1"/>
+          </a:effectRef>
+          <a:fontRef idx="minor">
+            <a:schemeClr val="tx1"/>
+          </a:fontRef>
+        </p:style>
+      </p:cxnSp>
+      <p:sp>
+        <p:nvSpPr>
+          <p:cNvPr id="10" name="文本框 9">
+            <a:extLst>
+              <a:ext uri="{FF2B5EF4-FFF2-40B4-BE49-F238E27FC236}">
+                <a16:creationId xmlns:a16="http://schemas.microsoft.com/office/drawing/2014/main" id="{BFE18C8C-5827-2A42-93F6-B6F9FA11B197}"/>
+              </a:ext>
+            </a:extLst>
+          </p:cNvPr>
+          <p:cNvSpPr txBox="1"/>
+          <p:nvPr/>
+        </p:nvSpPr>
+        <p:spPr>
+          <a:xfrm>
+            <a:off x="1166972" y="1997613"/>
+            <a:ext cx="6103005" cy="1261884"/>
+          </a:xfrm>
+          <a:prstGeom prst="rect">
+            <a:avLst/>
+          </a:prstGeom>
+          <a:noFill/>
+        </p:spPr>
+        <p:txBody>
+          <a:bodyPr wrap="square" rtlCol="0">
+            <a:spAutoFit/>
+          </a:bodyPr>
+          <a:lstStyle/>
+          <a:p>
+            <a:pPr marL="228600" indent="-228600">
+              <a:buAutoNum type="arabicPeriod"/>
+            </a:pPr>
+            <a:r>
+              <a:rPr lang="en-US" altLang="zh-CN" sz="2400" dirty="0">
+                <a:solidFill>
+                  <a:srgbClr val="A89A68"/>
+                </a:solidFill>
+              </a:rPr>
+              <a:t>Number of data is small</a:t>
+            </a:r>
+          </a:p>
+          <a:p>
+            <a:pPr marL="228600" indent="-228600">
+              <a:buAutoNum type="arabicPeriod"/>
+            </a:pPr>
+            <a:endParaRPr lang="en-US" altLang="zh-CN" sz="2800" dirty="0">
+              <a:solidFill>
+                <a:srgbClr val="A89A68"/>
+              </a:solidFill>
+            </a:endParaRPr>
+          </a:p>
+          <a:p>
+            <a:pPr marL="228600" indent="-228600">
+              <a:buAutoNum type="arabicPeriod"/>
+            </a:pPr>
+            <a:r>
+              <a:rPr lang="en-US" altLang="zh-CN" sz="2400" dirty="0">
+                <a:solidFill>
+                  <a:srgbClr val="A89A68"/>
+                </a:solidFill>
+              </a:rPr>
+              <a:t>Values in the specific column are</a:t>
+            </a:r>
+            <a:r>
+              <a:rPr lang="zh-TW" altLang="en-US" sz="2400" dirty="0">
+                <a:solidFill>
+                  <a:srgbClr val="A89A68"/>
+                </a:solidFill>
+              </a:rPr>
+              <a:t> </a:t>
+            </a:r>
+            <a:r>
+              <a:rPr lang="en-US" altLang="zh-TW" sz="2400" dirty="0">
+                <a:solidFill>
+                  <a:srgbClr val="A89A68"/>
+                </a:solidFill>
+              </a:rPr>
+              <a:t>disparity</a:t>
+            </a:r>
+            <a:endParaRPr lang="en-US" altLang="zh-CN" sz="2000" dirty="0">
+              <a:solidFill>
+                <a:srgbClr val="A89A68"/>
+              </a:solidFill>
+            </a:endParaRPr>
+          </a:p>
+        </p:txBody>
+      </p:sp>
+    </p:spTree>
+    <p:extLst>
+      <p:ext uri="{BB962C8B-B14F-4D97-AF65-F5344CB8AC3E}">
         <p14:creationId xmlns:p14="http://schemas.microsoft.com/office/powerpoint/2010/main" val="1842318241"/>
       </p:ext>
     </p:extLst>
@@ -5534,6 +6227,87 @@
                                   </p:childTnLst>
                                 </p:cTn>
                               </p:par>
+                              <p:par>
+                                <p:cTn id="22" presetID="42" presetClass="entr" presetSubtype="0" fill="hold" grpId="0" nodeType="withEffect">
+                                  <p:stCondLst>
+                                    <p:cond delay="1250"/>
+                                  </p:stCondLst>
+                                  <p:childTnLst>
+                                    <p:set>
+                                      <p:cBhvr>
+                                        <p:cTn id="23" dur="1" fill="hold">
+                                          <p:stCondLst>
+                                            <p:cond delay="0"/>
+                                          </p:stCondLst>
+                                        </p:cTn>
+                                        <p:tgtEl>
+                                          <p:spTgt spid="10"/>
+                                        </p:tgtEl>
+                                        <p:attrNameLst>
+                                          <p:attrName>style.visibility</p:attrName>
+                                        </p:attrNameLst>
+                                      </p:cBhvr>
+                                      <p:to>
+                                        <p:strVal val="visible"/>
+                                      </p:to>
+                                    </p:set>
+                                    <p:animEffect transition="in" filter="fade">
+                                      <p:cBhvr>
+                                        <p:cTn id="24" dur="750"/>
+                                        <p:tgtEl>
+                                          <p:spTgt spid="10"/>
+                                        </p:tgtEl>
+                                      </p:cBhvr>
+                                    </p:animEffect>
+                                    <p:anim calcmode="lin" valueType="num">
+                                      <p:cBhvr>
+                                        <p:cTn id="25" dur="750" fill="hold"/>
+                                        <p:tgtEl>
+                                          <p:spTgt spid="10"/>
+                                        </p:tgtEl>
+                                        <p:attrNameLst>
+                                          <p:attrName>ppt_x</p:attrName>
+                                        </p:attrNameLst>
+                                      </p:cBhvr>
+                                      <p:tavLst>
+                                        <p:tav tm="0">
+                                          <p:val>
+                                            <p:strVal val="#ppt_x"/>
+                                          </p:val>
+                                        </p:tav>
+                                        <p:tav tm="100000">
+                                          <p:val>
+                                            <p:strVal val="#ppt_x"/>
+                                          </p:val>
+                                        </p:tav>
+                                      </p:tavLst>
+                                    </p:anim>
+                                    <p:anim calcmode="lin" valueType="num">
+                                      <p:cBhvr>
+                                        <p:cTn id="26" dur="750" fill="hold"/>
+                                        <p:tgtEl>
+                                          <p:spTgt spid="10"/>
+                                        </p:tgtEl>
+                                        <p:attrNameLst>
+                                          <p:attrName>ppt_y</p:attrName>
+                                        </p:attrNameLst>
+                                      </p:cBhvr>
+                                      <p:tavLst>
+                                        <p:tav tm="0">
+                                          <p:val>
+                                            <p:strVal val="#ppt_y+.1"/>
+                                          </p:val>
+                                        </p:tav>
+                                        <p:tav tm="100000">
+                                          <p:val>
+                                            <p:strVal val="#ppt_y"/>
+                                          </p:val>
+                                        </p:tav>
+                                      </p:tavLst>
+                                    </p:anim>
+                                  </p:childTnLst>
+                                </p:cTn>
+                              </p:par>
                             </p:childTnLst>
                           </p:cTn>
                         </p:par>
@@ -5566,12 +6340,13 @@
       <p:bldP spid="6" grpId="0" animBg="1"/>
       <p:bldP spid="7" grpId="0"/>
       <p:bldP spid="8" grpId="0"/>
+      <p:bldP spid="10" grpId="0"/>
     </p:bldLst>
   </p:timing>
 </p:sld>
 </file>
 
-<file path=ppt/slides/slide13.xml><?xml version="1.0" encoding="utf-8"?>
+<file path=ppt/slides/slide14.xml><?xml version="1.0" encoding="utf-8"?>
 <p:sld xmlns:a="http://schemas.openxmlformats.org/drawingml/2006/main" xmlns:r="http://schemas.openxmlformats.org/officeDocument/2006/relationships" xmlns:p="http://schemas.openxmlformats.org/presentationml/2006/main">
   <p:cSld>
     <p:spTree>
@@ -10357,7 +11132,7 @@
                   <a:srgbClr val="A89A68"/>
                 </a:solidFill>
               </a:rPr>
-              <a:t>Region</a:t>
+              <a:t>Region: change Chinese region name into integer index</a:t>
             </a:r>
           </a:p>
           <a:p>
@@ -10368,7 +11143,7 @@
                   <a:srgbClr val="A89A68"/>
                 </a:solidFill>
               </a:rPr>
-              <a:t>Parking lot</a:t>
+              <a:t>Parking lot: 0 -&gt; No, 1 -&gt; Yes</a:t>
             </a:r>
           </a:p>
           <a:p>
@@ -10379,7 +11154,7 @@
                   <a:srgbClr val="A89A68"/>
                 </a:solidFill>
               </a:rPr>
-              <a:t>Rental Floor</a:t>
+              <a:t>Rental Floor: Change Chinese name into integer</a:t>
             </a:r>
           </a:p>
           <a:p>
@@ -10390,7 +11165,7 @@
                   <a:srgbClr val="A89A68"/>
                 </a:solidFill>
               </a:rPr>
-              <a:t>Total Floor</a:t>
+              <a:t>Total Floor: Change Chinese name into integer</a:t>
             </a:r>
           </a:p>
           <a:p>
@@ -10401,7 +11176,7 @@
                   <a:srgbClr val="A89A68"/>
                 </a:solidFill>
               </a:rPr>
-              <a:t>Years</a:t>
+              <a:t>Years: Fill the null value by average</a:t>
             </a:r>
           </a:p>
           <a:p>
@@ -10412,8 +11187,22 @@
                   <a:srgbClr val="A89A68"/>
                 </a:solidFill>
               </a:rPr>
-              <a:t>Size</a:t>
+              <a:t>Administrator: 0 -&gt; No, 1</a:t>
             </a:r>
+            <a:r>
+              <a:rPr lang="en-US" altLang="zh-CN" sz="1400" dirty="0">
+                <a:solidFill>
+                  <a:srgbClr val="A89A68"/>
+                </a:solidFill>
+                <a:sym typeface="Wingdings" pitchFamily="2" charset="2"/>
+              </a:rPr>
+              <a:t> -&gt; Yes</a:t>
+            </a:r>
+            <a:endParaRPr lang="en-US" altLang="zh-CN" sz="1400" dirty="0">
+              <a:solidFill>
+                <a:srgbClr val="A89A68"/>
+              </a:solidFill>
+            </a:endParaRPr>
           </a:p>
           <a:p>
             <a:pPr algn="ctr"/>
@@ -10423,8 +11212,16 @@
                   <a:srgbClr val="A89A68"/>
                 </a:solidFill>
               </a:rPr>
-              <a:t>Rooms/Halls/Bathrooms</a:t>
+              <a:t>Furniture: 0 -&gt; No, 1 -&gt; Yes</a:t>
             </a:r>
+          </a:p>
+          <a:p>
+            <a:pPr algn="ctr"/>
+            <a:endParaRPr lang="en-US" altLang="zh-CN" sz="1400" dirty="0">
+              <a:solidFill>
+                <a:srgbClr val="A89A68"/>
+              </a:solidFill>
+            </a:endParaRPr>
           </a:p>
           <a:p>
             <a:pPr algn="ctr"/>
@@ -10434,18 +11231,7 @@
                   <a:srgbClr val="A89A68"/>
                 </a:solidFill>
               </a:rPr>
-              <a:t>Administrator</a:t>
-            </a:r>
-          </a:p>
-          <a:p>
-            <a:pPr algn="ctr"/>
-            <a:r>
-              <a:rPr lang="en-US" altLang="zh-CN" sz="1400" dirty="0">
-                <a:solidFill>
-                  <a:srgbClr val="A89A68"/>
-                </a:solidFill>
-              </a:rPr>
-              <a:t>Furniture</a:t>
+              <a:t>Remove the data we will not use.</a:t>
             </a:r>
           </a:p>
         </p:txBody>
@@ -12663,7 +13449,7 @@
         <p:spPr>
           <a:xfrm>
             <a:off x="7256999" y="3335075"/>
-            <a:ext cx="3923494" cy="1015663"/>
+            <a:ext cx="3923494" cy="1107996"/>
           </a:xfrm>
           <a:prstGeom prst="rect">
             <a:avLst/>
@@ -12694,7 +13480,7 @@
           </a:p>
           <a:p>
             <a:r>
-              <a:rPr lang="en-US" altLang="zh-CN" sz="1200" dirty="0">
+              <a:rPr lang="en-US" altLang="zh-CN" sz="1400" dirty="0">
                 <a:solidFill>
                   <a:srgbClr val="A89A68"/>
                 </a:solidFill>
@@ -12704,7 +13490,7 @@
           </a:p>
           <a:p>
             <a:r>
-              <a:rPr lang="en-US" altLang="zh-CN" sz="1200" dirty="0">
+              <a:rPr lang="en-US" altLang="zh-CN" sz="1400" dirty="0">
                 <a:solidFill>
                   <a:srgbClr val="A89A68"/>
                 </a:solidFill>
@@ -12714,7 +13500,7 @@
           </a:p>
           <a:p>
             <a:r>
-              <a:rPr lang="en-US" altLang="zh-CN" sz="1200" dirty="0">
+              <a:rPr lang="en-US" altLang="zh-CN" sz="1400" dirty="0">
                 <a:solidFill>
                   <a:srgbClr val="A89A68"/>
                 </a:solidFill>
